--- a/Apresentações/TRE DMAIC - Apresentação Kanban e Agile.pptx
+++ b/Apresentações/TRE DMAIC - Apresentação Kanban e Agile.pptx
@@ -205,7 +205,7 @@
           <a:p>
             <a:fld id="{F00B8F05-53F5-4762-9A30-CAFF443272B3}" type="datetimeFigureOut">
               <a:rPr lang="pt-BR" smtClean="0"/>
-              <a:t>28/11/2017</a:t>
+              <a:t>04/12/2017</a:t>
             </a:fld>
             <a:endParaRPr lang="pt-BR"/>
           </a:p>
@@ -819,7 +819,7 @@
           <a:p>
             <a:fld id="{4BDF68E2-58F2-4D09-BE8B-E3BD06533059}" type="datetimeFigureOut">
               <a:rPr lang="en-US" dirty="0"/>
-              <a:t>11/28/2017</a:t>
+              <a:t>12/4/2017</a:t>
             </a:fld>
             <a:endParaRPr lang="en-US" dirty="0"/>
           </a:p>
@@ -1022,7 +1022,7 @@
           <a:p>
             <a:fld id="{2E2D6473-DF6D-4702-B328-E0DD40540A4E}" type="datetimeFigureOut">
               <a:rPr lang="en-US" dirty="0"/>
-              <a:t>11/28/2017</a:t>
+              <a:t>12/4/2017</a:t>
             </a:fld>
             <a:endParaRPr lang="en-US" dirty="0"/>
           </a:p>
@@ -1273,7 +1273,7 @@
           <a:p>
             <a:fld id="{E26F7E3A-B166-407D-9866-32884E7D5B37}" type="datetimeFigureOut">
               <a:rPr lang="en-US" dirty="0"/>
-              <a:t>11/28/2017</a:t>
+              <a:t>12/4/2017</a:t>
             </a:fld>
             <a:endParaRPr lang="en-US" dirty="0"/>
           </a:p>
@@ -1442,7 +1442,7 @@
           <a:p>
             <a:fld id="{528FC5F6-F338-4AE4-BB23-26385BCFC423}" type="datetimeFigureOut">
               <a:rPr lang="en-US" dirty="0"/>
-              <a:t>11/28/2017</a:t>
+              <a:t>12/4/2017</a:t>
             </a:fld>
             <a:endParaRPr lang="en-US" dirty="0"/>
           </a:p>
@@ -1780,7 +1780,7 @@
           <a:p>
             <a:fld id="{20EBB0C4-6273-4C6E-B9BD-2EDC30F1CD52}" type="datetimeFigureOut">
               <a:rPr lang="en-US" dirty="0"/>
-              <a:t>11/28/2017</a:t>
+              <a:t>12/4/2017</a:t>
             </a:fld>
             <a:endParaRPr lang="en-US" dirty="0"/>
           </a:p>
@@ -2050,7 +2050,7 @@
           <a:p>
             <a:fld id="{19AB4D41-86C1-4908-B66A-0B50CEB3BF29}" type="datetimeFigureOut">
               <a:rPr lang="en-US" dirty="0"/>
-              <a:t>11/28/2017</a:t>
+              <a:t>12/4/2017</a:t>
             </a:fld>
             <a:endParaRPr lang="en-US" dirty="0"/>
           </a:p>
@@ -2424,7 +2424,7 @@
           <a:p>
             <a:fld id="{E6426E2C-56C1-4E0D-A793-0088A7FDD37E}" type="datetimeFigureOut">
               <a:rPr lang="en-US" dirty="0"/>
-              <a:t>11/28/2017</a:t>
+              <a:t>12/4/2017</a:t>
             </a:fld>
             <a:endParaRPr lang="en-US" dirty="0"/>
           </a:p>
@@ -2537,7 +2537,7 @@
           <a:p>
             <a:fld id="{C8C39B41-D8B5-4052-B551-9B5525EAA8B6}" type="datetimeFigureOut">
               <a:rPr lang="en-US" dirty="0"/>
-              <a:t>11/28/2017</a:t>
+              <a:t>12/4/2017</a:t>
             </a:fld>
             <a:endParaRPr lang="en-US" dirty="0"/>
           </a:p>
@@ -2703,7 +2703,7 @@
           <a:p>
             <a:fld id="{4D94136C-8742-45B2-AF27-D93DF72833A9}" type="datetimeFigureOut">
               <a:rPr lang="en-US" dirty="0"/>
-              <a:t>11/28/2017</a:t>
+              <a:t>12/4/2017</a:t>
             </a:fld>
             <a:endParaRPr lang="en-US" dirty="0"/>
           </a:p>
@@ -3053,7 +3053,7 @@
           <a:p>
             <a:fld id="{32ABBEA6-7C60-4B02-AE87-00D78D8422AF}" type="datetimeFigureOut">
               <a:rPr lang="en-US" dirty="0"/>
-              <a:t>11/28/2017</a:t>
+              <a:t>12/4/2017</a:t>
             </a:fld>
             <a:endParaRPr lang="en-US" dirty="0"/>
           </a:p>
@@ -3431,7 +3431,7 @@
           <a:p>
             <a:fld id="{C9CAD897-D46E-4AD2-BD9B-49DD3E640873}" type="datetimeFigureOut">
               <a:rPr lang="en-US" dirty="0"/>
-              <a:t>11/28/2017</a:t>
+              <a:t>12/4/2017</a:t>
             </a:fld>
             <a:endParaRPr lang="en-US" dirty="0"/>
           </a:p>
@@ -3713,7 +3713,7 @@
           <a:p>
             <a:fld id="{98624D31-43A5-475A-80CF-332C9F6DCF35}" type="datetimeFigureOut">
               <a:rPr lang="en-US" dirty="0"/>
-              <a:t>11/28/2017</a:t>
+              <a:t>12/4/2017</a:t>
             </a:fld>
             <a:endParaRPr lang="en-US" dirty="0"/>
           </a:p>
@@ -4719,7 +4719,11 @@
           <a:p>
             <a:r>
               <a:rPr lang="pt-BR" dirty="0" smtClean="0"/>
-              <a:t>Exercício 1</a:t>
+              <a:t>Exercício </a:t>
+            </a:r>
+            <a:r>
+              <a:rPr lang="pt-BR" dirty="0" smtClean="0"/>
+              <a:t>1 – Descrevendo seus Itens</a:t>
             </a:r>
             <a:endParaRPr lang="pt-BR" dirty="0"/>
           </a:p>
@@ -4756,12 +4760,6 @@
           </a:p>
           <a:p>
             <a:endParaRPr lang="pt-BR" dirty="0" smtClean="0"/>
-          </a:p>
-          <a:p>
-            <a:r>
-              <a:rPr lang="pt-BR" dirty="0" smtClean="0"/>
-              <a:t>10 minutos:</a:t>
-            </a:r>
           </a:p>
           <a:p>
             <a:endParaRPr lang="pt-BR" dirty="0"/>
@@ -4815,7 +4813,11 @@
           <a:p>
             <a:r>
               <a:rPr lang="pt-BR" dirty="0" smtClean="0"/>
-              <a:t>Exercício 2</a:t>
+              <a:t>Exercício </a:t>
+            </a:r>
+            <a:r>
+              <a:rPr lang="pt-BR" dirty="0" smtClean="0"/>
+              <a:t>2 – Colando os itens no Board</a:t>
             </a:r>
             <a:endParaRPr lang="pt-BR" dirty="0"/>
           </a:p>
@@ -4844,8 +4846,15 @@
           <a:p>
             <a:r>
               <a:rPr lang="pt-BR" dirty="0" smtClean="0"/>
-              <a:t>Pra cada item de WIP escrito, responda as seguintes questões:</a:t>
-            </a:r>
+              <a:t>Pra cada item de WIP escrito, responda as seguintes questões</a:t>
+            </a:r>
+            <a:r>
+              <a:rPr lang="pt-BR" dirty="0" smtClean="0"/>
+              <a:t>:</a:t>
+            </a:r>
+          </a:p>
+          <a:p>
+            <a:endParaRPr lang="pt-BR" dirty="0" smtClean="0"/>
           </a:p>
           <a:p>
             <a:r>
